--- a/content/resources/Introduction.pptx
+++ b/content/resources/Introduction.pptx
@@ -6,6 +6,10 @@
   </p:sldMasterIdLst>
   <p:sldIdLst>
     <p:sldId id="256" r:id="rId2"/>
+    <p:sldId id="260" r:id="rId3"/>
+    <p:sldId id="258" r:id="rId4"/>
+    <p:sldId id="257" r:id="rId5"/>
+    <p:sldId id="259" r:id="rId6"/>
   </p:sldIdLst>
   <p:sldSz cx="12192000" cy="6858000"/>
   <p:notesSz cx="6858000" cy="9144000"/>
@@ -104,6 +108,11 @@
       </a:defRPr>
     </a:lvl9pPr>
   </p:defaultTextStyle>
+  <p:extLst>
+    <p:ext uri="{EFAFB233-063F-42B5-8137-9DF3F51BA10A}">
+      <p15:sldGuideLst xmlns:p15="http://schemas.microsoft.com/office/powerpoint/2012/main"/>
+    </p:ext>
+  </p:extLst>
 </p:presentation>
 </file>
 
@@ -256,7 +265,7 @@
           <a:p>
             <a:fld id="{1F3D7F03-4E26-481F-BF7A-0AFA9749C262}" type="datetimeFigureOut">
               <a:rPr lang="en-GB" smtClean="0"/>
-              <a:t>01/04/2022</a:t>
+              <a:t>01/08/2022</a:t>
             </a:fld>
             <a:endParaRPr lang="en-GB"/>
           </a:p>
@@ -456,7 +465,7 @@
           <a:p>
             <a:fld id="{1F3D7F03-4E26-481F-BF7A-0AFA9749C262}" type="datetimeFigureOut">
               <a:rPr lang="en-GB" smtClean="0"/>
-              <a:t>01/04/2022</a:t>
+              <a:t>01/08/2022</a:t>
             </a:fld>
             <a:endParaRPr lang="en-GB"/>
           </a:p>
@@ -666,7 +675,7 @@
           <a:p>
             <a:fld id="{1F3D7F03-4E26-481F-BF7A-0AFA9749C262}" type="datetimeFigureOut">
               <a:rPr lang="en-GB" smtClean="0"/>
-              <a:t>01/04/2022</a:t>
+              <a:t>01/08/2022</a:t>
             </a:fld>
             <a:endParaRPr lang="en-GB"/>
           </a:p>
@@ -866,7 +875,7 @@
           <a:p>
             <a:fld id="{1F3D7F03-4E26-481F-BF7A-0AFA9749C262}" type="datetimeFigureOut">
               <a:rPr lang="en-GB" smtClean="0"/>
-              <a:t>01/04/2022</a:t>
+              <a:t>01/08/2022</a:t>
             </a:fld>
             <a:endParaRPr lang="en-GB"/>
           </a:p>
@@ -1142,7 +1151,7 @@
           <a:p>
             <a:fld id="{1F3D7F03-4E26-481F-BF7A-0AFA9749C262}" type="datetimeFigureOut">
               <a:rPr lang="en-GB" smtClean="0"/>
-              <a:t>01/04/2022</a:t>
+              <a:t>01/08/2022</a:t>
             </a:fld>
             <a:endParaRPr lang="en-GB"/>
           </a:p>
@@ -1410,7 +1419,7 @@
           <a:p>
             <a:fld id="{1F3D7F03-4E26-481F-BF7A-0AFA9749C262}" type="datetimeFigureOut">
               <a:rPr lang="en-GB" smtClean="0"/>
-              <a:t>01/04/2022</a:t>
+              <a:t>01/08/2022</a:t>
             </a:fld>
             <a:endParaRPr lang="en-GB"/>
           </a:p>
@@ -1825,7 +1834,7 @@
           <a:p>
             <a:fld id="{1F3D7F03-4E26-481F-BF7A-0AFA9749C262}" type="datetimeFigureOut">
               <a:rPr lang="en-GB" smtClean="0"/>
-              <a:t>01/04/2022</a:t>
+              <a:t>01/08/2022</a:t>
             </a:fld>
             <a:endParaRPr lang="en-GB"/>
           </a:p>
@@ -1967,7 +1976,7 @@
           <a:p>
             <a:fld id="{1F3D7F03-4E26-481F-BF7A-0AFA9749C262}" type="datetimeFigureOut">
               <a:rPr lang="en-GB" smtClean="0"/>
-              <a:t>01/04/2022</a:t>
+              <a:t>01/08/2022</a:t>
             </a:fld>
             <a:endParaRPr lang="en-GB"/>
           </a:p>
@@ -2080,7 +2089,7 @@
           <a:p>
             <a:fld id="{1F3D7F03-4E26-481F-BF7A-0AFA9749C262}" type="datetimeFigureOut">
               <a:rPr lang="en-GB" smtClean="0"/>
-              <a:t>01/04/2022</a:t>
+              <a:t>01/08/2022</a:t>
             </a:fld>
             <a:endParaRPr lang="en-GB"/>
           </a:p>
@@ -2393,7 +2402,7 @@
           <a:p>
             <a:fld id="{1F3D7F03-4E26-481F-BF7A-0AFA9749C262}" type="datetimeFigureOut">
               <a:rPr lang="en-GB" smtClean="0"/>
-              <a:t>01/04/2022</a:t>
+              <a:t>01/08/2022</a:t>
             </a:fld>
             <a:endParaRPr lang="en-GB"/>
           </a:p>
@@ -2682,7 +2691,7 @@
           <a:p>
             <a:fld id="{1F3D7F03-4E26-481F-BF7A-0AFA9749C262}" type="datetimeFigureOut">
               <a:rPr lang="en-GB" smtClean="0"/>
-              <a:t>01/04/2022</a:t>
+              <a:t>01/08/2022</a:t>
             </a:fld>
             <a:endParaRPr lang="en-GB"/>
           </a:p>
@@ -2925,7 +2934,7 @@
           <a:p>
             <a:fld id="{1F3D7F03-4E26-481F-BF7A-0AFA9749C262}" type="datetimeFigureOut">
               <a:rPr lang="en-GB" smtClean="0"/>
-              <a:t>01/04/2022</a:t>
+              <a:t>01/08/2022</a:t>
             </a:fld>
             <a:endParaRPr lang="en-GB"/>
           </a:p>
@@ -3408,6 +3417,332 @@
 </p:sld>
 </file>
 
+<file path=ppt/slides/slide2.xml><?xml version="1.0" encoding="utf-8"?>
+<p:sld xmlns:a="http://schemas.openxmlformats.org/drawingml/2006/main" xmlns:r="http://schemas.openxmlformats.org/officeDocument/2006/relationships" xmlns:p="http://schemas.openxmlformats.org/presentationml/2006/main">
+  <p:cSld>
+    <p:spTree>
+      <p:nvGrpSpPr>
+        <p:cNvPr id="1" name=""/>
+        <p:cNvGrpSpPr/>
+        <p:nvPr/>
+      </p:nvGrpSpPr>
+      <p:grpSpPr>
+        <a:xfrm>
+          <a:off x="0" y="0"/>
+          <a:ext cx="0" cy="0"/>
+          <a:chOff x="0" y="0"/>
+          <a:chExt cx="0" cy="0"/>
+        </a:xfrm>
+      </p:grpSpPr>
+      <p:sp>
+        <p:nvSpPr>
+          <p:cNvPr id="2" name="Title 1">
+            <a:extLst>
+              <a:ext uri="{FF2B5EF4-FFF2-40B4-BE49-F238E27FC236}">
+                <a16:creationId xmlns:a16="http://schemas.microsoft.com/office/drawing/2014/main" id="{E8DEA5F5-5BD2-0E3E-CEF0-227226AA3EE1}"/>
+              </a:ext>
+            </a:extLst>
+          </p:cNvPr>
+          <p:cNvSpPr>
+            <a:spLocks noGrp="1"/>
+          </p:cNvSpPr>
+          <p:nvPr>
+            <p:ph type="title"/>
+          </p:nvPr>
+        </p:nvSpPr>
+        <p:spPr/>
+        <p:txBody>
+          <a:bodyPr/>
+          <a:lstStyle/>
+          <a:p>
+            <a:r>
+              <a:rPr lang="en-GB" dirty="0"/>
+              <a:t>Outcomes</a:t>
+            </a:r>
+          </a:p>
+        </p:txBody>
+      </p:sp>
+      <p:sp>
+        <p:nvSpPr>
+          <p:cNvPr id="3" name="Content Placeholder 2">
+            <a:extLst>
+              <a:ext uri="{FF2B5EF4-FFF2-40B4-BE49-F238E27FC236}">
+                <a16:creationId xmlns:a16="http://schemas.microsoft.com/office/drawing/2014/main" id="{6F7E15B2-9867-9857-0A1D-34D5AF0E1AC2}"/>
+              </a:ext>
+            </a:extLst>
+          </p:cNvPr>
+          <p:cNvSpPr>
+            <a:spLocks noGrp="1"/>
+          </p:cNvSpPr>
+          <p:nvPr>
+            <p:ph idx="1"/>
+          </p:nvPr>
+        </p:nvSpPr>
+        <p:spPr/>
+        <p:txBody>
+          <a:bodyPr/>
+          <a:lstStyle/>
+          <a:p>
+            <a:endParaRPr lang="en-GB"/>
+          </a:p>
+        </p:txBody>
+      </p:sp>
+    </p:spTree>
+    <p:extLst>
+      <p:ext uri="{BB962C8B-B14F-4D97-AF65-F5344CB8AC3E}">
+        <p14:creationId xmlns:p14="http://schemas.microsoft.com/office/powerpoint/2010/main" val="1845206374"/>
+      </p:ext>
+    </p:extLst>
+  </p:cSld>
+  <p:clrMapOvr>
+    <a:masterClrMapping/>
+  </p:clrMapOvr>
+</p:sld>
+</file>
+
+<file path=ppt/slides/slide3.xml><?xml version="1.0" encoding="utf-8"?>
+<p:sld xmlns:a="http://schemas.openxmlformats.org/drawingml/2006/main" xmlns:r="http://schemas.openxmlformats.org/officeDocument/2006/relationships" xmlns:p="http://schemas.openxmlformats.org/presentationml/2006/main">
+  <p:cSld>
+    <p:spTree>
+      <p:nvGrpSpPr>
+        <p:cNvPr id="1" name=""/>
+        <p:cNvGrpSpPr/>
+        <p:nvPr/>
+      </p:nvGrpSpPr>
+      <p:grpSpPr>
+        <a:xfrm>
+          <a:off x="0" y="0"/>
+          <a:ext cx="0" cy="0"/>
+          <a:chOff x="0" y="0"/>
+          <a:chExt cx="0" cy="0"/>
+        </a:xfrm>
+      </p:grpSpPr>
+      <p:pic>
+        <p:nvPicPr>
+          <p:cNvPr id="1028" name="Picture 4">
+            <a:extLst>
+              <a:ext uri="{FF2B5EF4-FFF2-40B4-BE49-F238E27FC236}">
+                <a16:creationId xmlns:a16="http://schemas.microsoft.com/office/drawing/2014/main" id="{D62D22F6-BAE0-BD5C-15DF-6E409A973CA8}"/>
+              </a:ext>
+            </a:extLst>
+          </p:cNvPr>
+          <p:cNvPicPr>
+            <a:picLocks noChangeAspect="1" noChangeArrowheads="1"/>
+          </p:cNvPicPr>
+          <p:nvPr/>
+        </p:nvPicPr>
+        <p:blipFill>
+          <a:blip r:embed="rId2">
+            <a:extLst>
+              <a:ext uri="{28A0092B-C50C-407E-A947-70E740481C1C}">
+                <a14:useLocalDpi xmlns:a14="http://schemas.microsoft.com/office/drawing/2010/main" val="0"/>
+              </a:ext>
+            </a:extLst>
+          </a:blip>
+          <a:srcRect/>
+          <a:stretch>
+            <a:fillRect/>
+          </a:stretch>
+        </p:blipFill>
+        <p:spPr bwMode="auto">
+          <a:xfrm>
+            <a:off x="3198701" y="365125"/>
+            <a:ext cx="5794598" cy="6005512"/>
+          </a:xfrm>
+          <a:prstGeom prst="rect">
+            <a:avLst/>
+          </a:prstGeom>
+          <a:noFill/>
+          <a:extLst>
+            <a:ext uri="{909E8E84-426E-40DD-AFC4-6F175D3DCCD1}">
+              <a14:hiddenFill xmlns:a14="http://schemas.microsoft.com/office/drawing/2010/main">
+                <a:solidFill>
+                  <a:srgbClr val="FFFFFF"/>
+                </a:solidFill>
+              </a14:hiddenFill>
+            </a:ext>
+          </a:extLst>
+        </p:spPr>
+      </p:pic>
+    </p:spTree>
+    <p:extLst>
+      <p:ext uri="{BB962C8B-B14F-4D97-AF65-F5344CB8AC3E}">
+        <p14:creationId xmlns:p14="http://schemas.microsoft.com/office/powerpoint/2010/main" val="2432477364"/>
+      </p:ext>
+    </p:extLst>
+  </p:cSld>
+  <p:clrMapOvr>
+    <a:masterClrMapping/>
+  </p:clrMapOvr>
+</p:sld>
+</file>
+
+<file path=ppt/slides/slide4.xml><?xml version="1.0" encoding="utf-8"?>
+<p:sld xmlns:a="http://schemas.openxmlformats.org/drawingml/2006/main" xmlns:r="http://schemas.openxmlformats.org/officeDocument/2006/relationships" xmlns:p="http://schemas.openxmlformats.org/presentationml/2006/main">
+  <p:cSld>
+    <p:spTree>
+      <p:nvGrpSpPr>
+        <p:cNvPr id="1" name=""/>
+        <p:cNvGrpSpPr/>
+        <p:nvPr/>
+      </p:nvGrpSpPr>
+      <p:grpSpPr>
+        <a:xfrm>
+          <a:off x="0" y="0"/>
+          <a:ext cx="0" cy="0"/>
+          <a:chOff x="0" y="0"/>
+          <a:chExt cx="0" cy="0"/>
+        </a:xfrm>
+      </p:grpSpPr>
+      <p:sp>
+        <p:nvSpPr>
+          <p:cNvPr id="2" name="Title 1">
+            <a:extLst>
+              <a:ext uri="{FF2B5EF4-FFF2-40B4-BE49-F238E27FC236}">
+                <a16:creationId xmlns:a16="http://schemas.microsoft.com/office/drawing/2014/main" id="{C7A59EB4-3A60-4C57-BE55-3522A26D0B45}"/>
+              </a:ext>
+            </a:extLst>
+          </p:cNvPr>
+          <p:cNvSpPr>
+            <a:spLocks noGrp="1"/>
+          </p:cNvSpPr>
+          <p:nvPr>
+            <p:ph type="title"/>
+          </p:nvPr>
+        </p:nvSpPr>
+        <p:spPr/>
+        <p:txBody>
+          <a:bodyPr/>
+          <a:lstStyle/>
+          <a:p>
+            <a:r>
+              <a:rPr lang="en-GB" dirty="0"/>
+              <a:t>Timetable</a:t>
+            </a:r>
+          </a:p>
+        </p:txBody>
+      </p:sp>
+      <p:sp>
+        <p:nvSpPr>
+          <p:cNvPr id="3" name="Content Placeholder 2">
+            <a:extLst>
+              <a:ext uri="{FF2B5EF4-FFF2-40B4-BE49-F238E27FC236}">
+                <a16:creationId xmlns:a16="http://schemas.microsoft.com/office/drawing/2014/main" id="{81E4591B-C4C4-A120-B29F-CF91A360C36C}"/>
+              </a:ext>
+            </a:extLst>
+          </p:cNvPr>
+          <p:cNvSpPr>
+            <a:spLocks noGrp="1"/>
+          </p:cNvSpPr>
+          <p:nvPr>
+            <p:ph idx="1"/>
+          </p:nvPr>
+        </p:nvSpPr>
+        <p:spPr/>
+        <p:txBody>
+          <a:bodyPr/>
+          <a:lstStyle/>
+          <a:p>
+            <a:endParaRPr lang="en-GB"/>
+          </a:p>
+        </p:txBody>
+      </p:sp>
+    </p:spTree>
+    <p:extLst>
+      <p:ext uri="{BB962C8B-B14F-4D97-AF65-F5344CB8AC3E}">
+        <p14:creationId xmlns:p14="http://schemas.microsoft.com/office/powerpoint/2010/main" val="1914551496"/>
+      </p:ext>
+    </p:extLst>
+  </p:cSld>
+  <p:clrMapOvr>
+    <a:masterClrMapping/>
+  </p:clrMapOvr>
+</p:sld>
+</file>
+
+<file path=ppt/slides/slide5.xml><?xml version="1.0" encoding="utf-8"?>
+<p:sld xmlns:a="http://schemas.openxmlformats.org/drawingml/2006/main" xmlns:r="http://schemas.openxmlformats.org/officeDocument/2006/relationships" xmlns:p="http://schemas.openxmlformats.org/presentationml/2006/main">
+  <p:cSld>
+    <p:spTree>
+      <p:nvGrpSpPr>
+        <p:cNvPr id="1" name=""/>
+        <p:cNvGrpSpPr/>
+        <p:nvPr/>
+      </p:nvGrpSpPr>
+      <p:grpSpPr>
+        <a:xfrm>
+          <a:off x="0" y="0"/>
+          <a:ext cx="0" cy="0"/>
+          <a:chOff x="0" y="0"/>
+          <a:chExt cx="0" cy="0"/>
+        </a:xfrm>
+      </p:grpSpPr>
+      <p:sp>
+        <p:nvSpPr>
+          <p:cNvPr id="2" name="Title 1">
+            <a:extLst>
+              <a:ext uri="{FF2B5EF4-FFF2-40B4-BE49-F238E27FC236}">
+                <a16:creationId xmlns:a16="http://schemas.microsoft.com/office/drawing/2014/main" id="{BF667712-0CF9-0EC4-9B18-98E28BAFCA6B}"/>
+              </a:ext>
+            </a:extLst>
+          </p:cNvPr>
+          <p:cNvSpPr>
+            <a:spLocks noGrp="1"/>
+          </p:cNvSpPr>
+          <p:nvPr>
+            <p:ph type="title"/>
+          </p:nvPr>
+        </p:nvSpPr>
+        <p:spPr/>
+        <p:txBody>
+          <a:bodyPr/>
+          <a:lstStyle/>
+          <a:p>
+            <a:r>
+              <a:rPr lang="en-GB" dirty="0"/>
+              <a:t>Webpage</a:t>
+            </a:r>
+          </a:p>
+        </p:txBody>
+      </p:sp>
+      <p:sp>
+        <p:nvSpPr>
+          <p:cNvPr id="3" name="Content Placeholder 2">
+            <a:extLst>
+              <a:ext uri="{FF2B5EF4-FFF2-40B4-BE49-F238E27FC236}">
+                <a16:creationId xmlns:a16="http://schemas.microsoft.com/office/drawing/2014/main" id="{E3EB5FB0-CC4A-A255-892A-865507181257}"/>
+              </a:ext>
+            </a:extLst>
+          </p:cNvPr>
+          <p:cNvSpPr>
+            <a:spLocks noGrp="1"/>
+          </p:cNvSpPr>
+          <p:nvPr>
+            <p:ph idx="1"/>
+          </p:nvPr>
+        </p:nvSpPr>
+        <p:spPr/>
+        <p:txBody>
+          <a:bodyPr/>
+          <a:lstStyle/>
+          <a:p>
+            <a:endParaRPr lang="en-GB"/>
+          </a:p>
+        </p:txBody>
+      </p:sp>
+    </p:spTree>
+    <p:extLst>
+      <p:ext uri="{BB962C8B-B14F-4D97-AF65-F5344CB8AC3E}">
+        <p14:creationId xmlns:p14="http://schemas.microsoft.com/office/powerpoint/2010/main" val="2102434706"/>
+      </p:ext>
+    </p:extLst>
+  </p:cSld>
+  <p:clrMapOvr>
+    <a:masterClrMapping/>
+  </p:clrMapOvr>
+</p:sld>
+</file>
+
 <file path=ppt/theme/theme1.xml><?xml version="1.0" encoding="utf-8"?>
 <a:theme xmlns:a="http://schemas.openxmlformats.org/drawingml/2006/main" name="Office Theme">
   <a:themeElements>

--- a/content/resources/Introduction.pptx
+++ b/content/resources/Introduction.pptx
@@ -3705,31 +3705,46 @@
           </a:p>
         </p:txBody>
       </p:sp>
-      <p:sp>
-        <p:nvSpPr>
-          <p:cNvPr id="3" name="Content Placeholder 2">
-            <a:extLst>
-              <a:ext uri="{FF2B5EF4-FFF2-40B4-BE49-F238E27FC236}">
-                <a16:creationId xmlns:a16="http://schemas.microsoft.com/office/drawing/2014/main" id="{E3EB5FB0-CC4A-A255-892A-865507181257}"/>
-              </a:ext>
-            </a:extLst>
-          </p:cNvPr>
-          <p:cNvSpPr>
-            <a:spLocks noGrp="1"/>
-          </p:cNvSpPr>
-          <p:nvPr>
-            <p:ph idx="1"/>
-          </p:nvPr>
-        </p:nvSpPr>
-        <p:spPr/>
-        <p:txBody>
-          <a:bodyPr/>
-          <a:lstStyle/>
-          <a:p>
-            <a:endParaRPr lang="en-GB"/>
-          </a:p>
-        </p:txBody>
-      </p:sp>
+      <p:pic>
+        <p:nvPicPr>
+          <p:cNvPr id="5" name="Picture 4">
+            <a:extLst>
+              <a:ext uri="{FF2B5EF4-FFF2-40B4-BE49-F238E27FC236}">
+                <a16:creationId xmlns:a16="http://schemas.microsoft.com/office/drawing/2014/main" id="{9F335BED-B37D-BAF5-0F7F-5756BFF54167}"/>
+              </a:ext>
+            </a:extLst>
+          </p:cNvPr>
+          <p:cNvPicPr>
+            <a:picLocks noChangeAspect="1"/>
+          </p:cNvPicPr>
+          <p:nvPr/>
+        </p:nvPicPr>
+        <p:blipFill>
+          <a:blip r:embed="rId2"/>
+          <a:stretch>
+            <a:fillRect/>
+          </a:stretch>
+        </p:blipFill>
+        <p:spPr>
+          <a:xfrm>
+            <a:off x="4295954" y="108174"/>
+            <a:ext cx="5926751" cy="6641651"/>
+          </a:xfrm>
+          <a:prstGeom prst="rect">
+            <a:avLst/>
+          </a:prstGeom>
+          <a:ln>
+            <a:noFill/>
+          </a:ln>
+          <a:effectLst>
+            <a:outerShdw blurRad="292100" dist="139700" dir="2700000" algn="tl" rotWithShape="0">
+              <a:srgbClr val="333333">
+                <a:alpha val="65000"/>
+              </a:srgbClr>
+            </a:outerShdw>
+          </a:effectLst>
+        </p:spPr>
+      </p:pic>
     </p:spTree>
     <p:extLst>
       <p:ext uri="{BB962C8B-B14F-4D97-AF65-F5344CB8AC3E}">

--- a/content/resources/Introduction.pptx
+++ b/content/resources/Introduction.pptx
@@ -6,10 +6,9 @@
   </p:sldMasterIdLst>
   <p:sldIdLst>
     <p:sldId id="256" r:id="rId2"/>
-    <p:sldId id="260" r:id="rId3"/>
-    <p:sldId id="258" r:id="rId4"/>
-    <p:sldId id="257" r:id="rId5"/>
-    <p:sldId id="259" r:id="rId6"/>
+    <p:sldId id="258" r:id="rId3"/>
+    <p:sldId id="257" r:id="rId4"/>
+    <p:sldId id="259" r:id="rId5"/>
   </p:sldIdLst>
   <p:sldSz cx="12192000" cy="6858000"/>
   <p:notesSz cx="6858000" cy="9144000"/>
@@ -3434,89 +3433,6 @@
           <a:chExt cx="0" cy="0"/>
         </a:xfrm>
       </p:grpSpPr>
-      <p:sp>
-        <p:nvSpPr>
-          <p:cNvPr id="2" name="Title 1">
-            <a:extLst>
-              <a:ext uri="{FF2B5EF4-FFF2-40B4-BE49-F238E27FC236}">
-                <a16:creationId xmlns:a16="http://schemas.microsoft.com/office/drawing/2014/main" id="{E8DEA5F5-5BD2-0E3E-CEF0-227226AA3EE1}"/>
-              </a:ext>
-            </a:extLst>
-          </p:cNvPr>
-          <p:cNvSpPr>
-            <a:spLocks noGrp="1"/>
-          </p:cNvSpPr>
-          <p:nvPr>
-            <p:ph type="title"/>
-          </p:nvPr>
-        </p:nvSpPr>
-        <p:spPr/>
-        <p:txBody>
-          <a:bodyPr/>
-          <a:lstStyle/>
-          <a:p>
-            <a:r>
-              <a:rPr lang="en-GB" dirty="0"/>
-              <a:t>Outcomes</a:t>
-            </a:r>
-          </a:p>
-        </p:txBody>
-      </p:sp>
-      <p:sp>
-        <p:nvSpPr>
-          <p:cNvPr id="3" name="Content Placeholder 2">
-            <a:extLst>
-              <a:ext uri="{FF2B5EF4-FFF2-40B4-BE49-F238E27FC236}">
-                <a16:creationId xmlns:a16="http://schemas.microsoft.com/office/drawing/2014/main" id="{6F7E15B2-9867-9857-0A1D-34D5AF0E1AC2}"/>
-              </a:ext>
-            </a:extLst>
-          </p:cNvPr>
-          <p:cNvSpPr>
-            <a:spLocks noGrp="1"/>
-          </p:cNvSpPr>
-          <p:nvPr>
-            <p:ph idx="1"/>
-          </p:nvPr>
-        </p:nvSpPr>
-        <p:spPr/>
-        <p:txBody>
-          <a:bodyPr/>
-          <a:lstStyle/>
-          <a:p>
-            <a:endParaRPr lang="en-GB"/>
-          </a:p>
-        </p:txBody>
-      </p:sp>
-    </p:spTree>
-    <p:extLst>
-      <p:ext uri="{BB962C8B-B14F-4D97-AF65-F5344CB8AC3E}">
-        <p14:creationId xmlns:p14="http://schemas.microsoft.com/office/powerpoint/2010/main" val="1845206374"/>
-      </p:ext>
-    </p:extLst>
-  </p:cSld>
-  <p:clrMapOvr>
-    <a:masterClrMapping/>
-  </p:clrMapOvr>
-</p:sld>
-</file>
-
-<file path=ppt/slides/slide3.xml><?xml version="1.0" encoding="utf-8"?>
-<p:sld xmlns:a="http://schemas.openxmlformats.org/drawingml/2006/main" xmlns:r="http://schemas.openxmlformats.org/officeDocument/2006/relationships" xmlns:p="http://schemas.openxmlformats.org/presentationml/2006/main">
-  <p:cSld>
-    <p:spTree>
-      <p:nvGrpSpPr>
-        <p:cNvPr id="1" name=""/>
-        <p:cNvGrpSpPr/>
-        <p:nvPr/>
-      </p:nvGrpSpPr>
-      <p:grpSpPr>
-        <a:xfrm>
-          <a:off x="0" y="0"/>
-          <a:ext cx="0" cy="0"/>
-          <a:chOff x="0" y="0"/>
-          <a:chExt cx="0" cy="0"/>
-        </a:xfrm>
-      </p:grpSpPr>
       <p:pic>
         <p:nvPicPr>
           <p:cNvPr id="1028" name="Picture 4">
@@ -3577,6 +3493,89 @@
 </p:sld>
 </file>
 
+<file path=ppt/slides/slide3.xml><?xml version="1.0" encoding="utf-8"?>
+<p:sld xmlns:a="http://schemas.openxmlformats.org/drawingml/2006/main" xmlns:r="http://schemas.openxmlformats.org/officeDocument/2006/relationships" xmlns:p="http://schemas.openxmlformats.org/presentationml/2006/main">
+  <p:cSld>
+    <p:spTree>
+      <p:nvGrpSpPr>
+        <p:cNvPr id="1" name=""/>
+        <p:cNvGrpSpPr/>
+        <p:nvPr/>
+      </p:nvGrpSpPr>
+      <p:grpSpPr>
+        <a:xfrm>
+          <a:off x="0" y="0"/>
+          <a:ext cx="0" cy="0"/>
+          <a:chOff x="0" y="0"/>
+          <a:chExt cx="0" cy="0"/>
+        </a:xfrm>
+      </p:grpSpPr>
+      <p:sp>
+        <p:nvSpPr>
+          <p:cNvPr id="2" name="Title 1">
+            <a:extLst>
+              <a:ext uri="{FF2B5EF4-FFF2-40B4-BE49-F238E27FC236}">
+                <a16:creationId xmlns:a16="http://schemas.microsoft.com/office/drawing/2014/main" id="{C7A59EB4-3A60-4C57-BE55-3522A26D0B45}"/>
+              </a:ext>
+            </a:extLst>
+          </p:cNvPr>
+          <p:cNvSpPr>
+            <a:spLocks noGrp="1"/>
+          </p:cNvSpPr>
+          <p:nvPr>
+            <p:ph type="title"/>
+          </p:nvPr>
+        </p:nvSpPr>
+        <p:spPr/>
+        <p:txBody>
+          <a:bodyPr/>
+          <a:lstStyle/>
+          <a:p>
+            <a:r>
+              <a:rPr lang="en-GB" dirty="0"/>
+              <a:t>Timetable</a:t>
+            </a:r>
+          </a:p>
+        </p:txBody>
+      </p:sp>
+      <p:sp>
+        <p:nvSpPr>
+          <p:cNvPr id="3" name="Content Placeholder 2">
+            <a:extLst>
+              <a:ext uri="{FF2B5EF4-FFF2-40B4-BE49-F238E27FC236}">
+                <a16:creationId xmlns:a16="http://schemas.microsoft.com/office/drawing/2014/main" id="{81E4591B-C4C4-A120-B29F-CF91A360C36C}"/>
+              </a:ext>
+            </a:extLst>
+          </p:cNvPr>
+          <p:cNvSpPr>
+            <a:spLocks noGrp="1"/>
+          </p:cNvSpPr>
+          <p:nvPr>
+            <p:ph idx="1"/>
+          </p:nvPr>
+        </p:nvSpPr>
+        <p:spPr/>
+        <p:txBody>
+          <a:bodyPr/>
+          <a:lstStyle/>
+          <a:p>
+            <a:endParaRPr lang="en-GB"/>
+          </a:p>
+        </p:txBody>
+      </p:sp>
+    </p:spTree>
+    <p:extLst>
+      <p:ext uri="{BB962C8B-B14F-4D97-AF65-F5344CB8AC3E}">
+        <p14:creationId xmlns:p14="http://schemas.microsoft.com/office/powerpoint/2010/main" val="1914551496"/>
+      </p:ext>
+    </p:extLst>
+  </p:cSld>
+  <p:clrMapOvr>
+    <a:masterClrMapping/>
+  </p:clrMapOvr>
+</p:sld>
+</file>
+
 <file path=ppt/slides/slide4.xml><?xml version="1.0" encoding="utf-8"?>
 <p:sld xmlns:a="http://schemas.openxmlformats.org/drawingml/2006/main" xmlns:r="http://schemas.openxmlformats.org/officeDocument/2006/relationships" xmlns:p="http://schemas.openxmlformats.org/presentationml/2006/main">
   <p:cSld>
@@ -3599,89 +3598,6 @@
           <p:cNvPr id="2" name="Title 1">
             <a:extLst>
               <a:ext uri="{FF2B5EF4-FFF2-40B4-BE49-F238E27FC236}">
-                <a16:creationId xmlns:a16="http://schemas.microsoft.com/office/drawing/2014/main" id="{C7A59EB4-3A60-4C57-BE55-3522A26D0B45}"/>
-              </a:ext>
-            </a:extLst>
-          </p:cNvPr>
-          <p:cNvSpPr>
-            <a:spLocks noGrp="1"/>
-          </p:cNvSpPr>
-          <p:nvPr>
-            <p:ph type="title"/>
-          </p:nvPr>
-        </p:nvSpPr>
-        <p:spPr/>
-        <p:txBody>
-          <a:bodyPr/>
-          <a:lstStyle/>
-          <a:p>
-            <a:r>
-              <a:rPr lang="en-GB" dirty="0"/>
-              <a:t>Timetable</a:t>
-            </a:r>
-          </a:p>
-        </p:txBody>
-      </p:sp>
-      <p:sp>
-        <p:nvSpPr>
-          <p:cNvPr id="3" name="Content Placeholder 2">
-            <a:extLst>
-              <a:ext uri="{FF2B5EF4-FFF2-40B4-BE49-F238E27FC236}">
-                <a16:creationId xmlns:a16="http://schemas.microsoft.com/office/drawing/2014/main" id="{81E4591B-C4C4-A120-B29F-CF91A360C36C}"/>
-              </a:ext>
-            </a:extLst>
-          </p:cNvPr>
-          <p:cNvSpPr>
-            <a:spLocks noGrp="1"/>
-          </p:cNvSpPr>
-          <p:nvPr>
-            <p:ph idx="1"/>
-          </p:nvPr>
-        </p:nvSpPr>
-        <p:spPr/>
-        <p:txBody>
-          <a:bodyPr/>
-          <a:lstStyle/>
-          <a:p>
-            <a:endParaRPr lang="en-GB"/>
-          </a:p>
-        </p:txBody>
-      </p:sp>
-    </p:spTree>
-    <p:extLst>
-      <p:ext uri="{BB962C8B-B14F-4D97-AF65-F5344CB8AC3E}">
-        <p14:creationId xmlns:p14="http://schemas.microsoft.com/office/powerpoint/2010/main" val="1914551496"/>
-      </p:ext>
-    </p:extLst>
-  </p:cSld>
-  <p:clrMapOvr>
-    <a:masterClrMapping/>
-  </p:clrMapOvr>
-</p:sld>
-</file>
-
-<file path=ppt/slides/slide5.xml><?xml version="1.0" encoding="utf-8"?>
-<p:sld xmlns:a="http://schemas.openxmlformats.org/drawingml/2006/main" xmlns:r="http://schemas.openxmlformats.org/officeDocument/2006/relationships" xmlns:p="http://schemas.openxmlformats.org/presentationml/2006/main">
-  <p:cSld>
-    <p:spTree>
-      <p:nvGrpSpPr>
-        <p:cNvPr id="1" name=""/>
-        <p:cNvGrpSpPr/>
-        <p:nvPr/>
-      </p:nvGrpSpPr>
-      <p:grpSpPr>
-        <a:xfrm>
-          <a:off x="0" y="0"/>
-          <a:ext cx="0" cy="0"/>
-          <a:chOff x="0" y="0"/>
-          <a:chExt cx="0" cy="0"/>
-        </a:xfrm>
-      </p:grpSpPr>
-      <p:sp>
-        <p:nvSpPr>
-          <p:cNvPr id="2" name="Title 1">
-            <a:extLst>
-              <a:ext uri="{FF2B5EF4-FFF2-40B4-BE49-F238E27FC236}">
                 <a16:creationId xmlns:a16="http://schemas.microsoft.com/office/drawing/2014/main" id="{BF667712-0CF9-0EC4-9B18-98E28BAFCA6B}"/>
               </a:ext>
             </a:extLst>
@@ -3702,6 +3618,10 @@
               <a:rPr lang="en-GB" dirty="0"/>
               <a:t>Webpage</a:t>
             </a:r>
+            <a:br>
+              <a:rPr lang="en-GB" dirty="0"/>
+            </a:br>
+            <a:endParaRPr lang="en-GB" dirty="0"/>
           </a:p>
         </p:txBody>
       </p:sp>
@@ -3727,8 +3647,8 @@
         </p:blipFill>
         <p:spPr>
           <a:xfrm>
-            <a:off x="4295954" y="108174"/>
-            <a:ext cx="5926751" cy="6641651"/>
+            <a:off x="3598346" y="180459"/>
+            <a:ext cx="4995308" cy="5597855"/>
           </a:xfrm>
           <a:prstGeom prst="rect">
             <a:avLst/>
@@ -3745,6 +3665,44 @@
           </a:effectLst>
         </p:spPr>
       </p:pic>
+      <p:sp>
+        <p:nvSpPr>
+          <p:cNvPr id="6" name="TextBox 5">
+            <a:extLst>
+              <a:ext uri="{FF2B5EF4-FFF2-40B4-BE49-F238E27FC236}">
+                <a16:creationId xmlns:a16="http://schemas.microsoft.com/office/drawing/2014/main" id="{290FA840-9BF5-66AF-1FA6-D23B98380824}"/>
+              </a:ext>
+            </a:extLst>
+          </p:cNvPr>
+          <p:cNvSpPr txBox="1"/>
+          <p:nvPr/>
+        </p:nvSpPr>
+        <p:spPr>
+          <a:xfrm>
+            <a:off x="5517311" y="6308209"/>
+            <a:ext cx="6433150" cy="369332"/>
+          </a:xfrm>
+          <a:prstGeom prst="rect">
+            <a:avLst/>
+          </a:prstGeom>
+          <a:noFill/>
+        </p:spPr>
+        <p:txBody>
+          <a:bodyPr wrap="square">
+            <a:spAutoFit/>
+          </a:bodyPr>
+          <a:lstStyle/>
+          <a:p>
+            <a:r>
+              <a:rPr lang="en-GB" dirty="0">
+                <a:hlinkClick r:id="rId3"/>
+              </a:rPr>
+              <a:t>https://github.com/n8thangreen/ScHARR-open-science-workshop</a:t>
+            </a:r>
+            <a:endParaRPr lang="en-GB" dirty="0"/>
+          </a:p>
+        </p:txBody>
+      </p:sp>
     </p:spTree>
     <p:extLst>
       <p:ext uri="{BB962C8B-B14F-4D97-AF65-F5344CB8AC3E}">

--- a/content/resources/Introduction.pptx
+++ b/content/resources/Introduction.pptx
@@ -4,11 +4,16 @@
   <p:sldMasterIdLst>
     <p:sldMasterId id="2147483648" r:id="rId1"/>
   </p:sldMasterIdLst>
+  <p:notesMasterIdLst>
+    <p:notesMasterId r:id="rId8"/>
+  </p:notesMasterIdLst>
   <p:sldIdLst>
     <p:sldId id="256" r:id="rId2"/>
-    <p:sldId id="258" r:id="rId3"/>
-    <p:sldId id="257" r:id="rId4"/>
-    <p:sldId id="259" r:id="rId5"/>
+    <p:sldId id="260" r:id="rId3"/>
+    <p:sldId id="258" r:id="rId4"/>
+    <p:sldId id="261" r:id="rId5"/>
+    <p:sldId id="257" r:id="rId6"/>
+    <p:sldId id="259" r:id="rId7"/>
   </p:sldIdLst>
   <p:sldSz cx="12192000" cy="6858000"/>
   <p:notesSz cx="6858000" cy="9144000"/>
@@ -115,6 +120,565 @@
 </p:presentation>
 </file>
 
+<file path=ppt/notesMasters/notesMaster1.xml><?xml version="1.0" encoding="utf-8"?>
+<p:notesMaster xmlns:a="http://schemas.openxmlformats.org/drawingml/2006/main" xmlns:r="http://schemas.openxmlformats.org/officeDocument/2006/relationships" xmlns:p="http://schemas.openxmlformats.org/presentationml/2006/main">
+  <p:cSld>
+    <p:bg>
+      <p:bgRef idx="1001">
+        <a:schemeClr val="bg1"/>
+      </p:bgRef>
+    </p:bg>
+    <p:spTree>
+      <p:nvGrpSpPr>
+        <p:cNvPr id="1" name=""/>
+        <p:cNvGrpSpPr/>
+        <p:nvPr/>
+      </p:nvGrpSpPr>
+      <p:grpSpPr>
+        <a:xfrm>
+          <a:off x="0" y="0"/>
+          <a:ext cx="0" cy="0"/>
+          <a:chOff x="0" y="0"/>
+          <a:chExt cx="0" cy="0"/>
+        </a:xfrm>
+      </p:grpSpPr>
+      <p:sp>
+        <p:nvSpPr>
+          <p:cNvPr id="2" name="Header Placeholder 1"/>
+          <p:cNvSpPr>
+            <a:spLocks noGrp="1"/>
+          </p:cNvSpPr>
+          <p:nvPr>
+            <p:ph type="hdr" sz="quarter"/>
+          </p:nvPr>
+        </p:nvSpPr>
+        <p:spPr>
+          <a:xfrm>
+            <a:off x="0" y="0"/>
+            <a:ext cx="2971800" cy="458788"/>
+          </a:xfrm>
+          <a:prstGeom prst="rect">
+            <a:avLst/>
+          </a:prstGeom>
+        </p:spPr>
+        <p:txBody>
+          <a:bodyPr vert="horz" lIns="91440" tIns="45720" rIns="91440" bIns="45720" rtlCol="0"/>
+          <a:lstStyle>
+            <a:lvl1pPr algn="l">
+              <a:defRPr sz="1200"/>
+            </a:lvl1pPr>
+          </a:lstStyle>
+          <a:p>
+            <a:endParaRPr lang="en-GB"/>
+          </a:p>
+        </p:txBody>
+      </p:sp>
+      <p:sp>
+        <p:nvSpPr>
+          <p:cNvPr id="3" name="Date Placeholder 2"/>
+          <p:cNvSpPr>
+            <a:spLocks noGrp="1"/>
+          </p:cNvSpPr>
+          <p:nvPr>
+            <p:ph type="dt" idx="1"/>
+          </p:nvPr>
+        </p:nvSpPr>
+        <p:spPr>
+          <a:xfrm>
+            <a:off x="3884613" y="0"/>
+            <a:ext cx="2971800" cy="458788"/>
+          </a:xfrm>
+          <a:prstGeom prst="rect">
+            <a:avLst/>
+          </a:prstGeom>
+        </p:spPr>
+        <p:txBody>
+          <a:bodyPr vert="horz" lIns="91440" tIns="45720" rIns="91440" bIns="45720" rtlCol="0"/>
+          <a:lstStyle>
+            <a:lvl1pPr algn="r">
+              <a:defRPr sz="1200"/>
+            </a:lvl1pPr>
+          </a:lstStyle>
+          <a:p>
+            <a:fld id="{CEFEB0CA-3576-4E49-9685-B0CF9F3EF8DE}" type="datetimeFigureOut">
+              <a:rPr lang="en-GB" smtClean="0"/>
+              <a:t>02/08/2022</a:t>
+            </a:fld>
+            <a:endParaRPr lang="en-GB"/>
+          </a:p>
+        </p:txBody>
+      </p:sp>
+      <p:sp>
+        <p:nvSpPr>
+          <p:cNvPr id="4" name="Slide Image Placeholder 3"/>
+          <p:cNvSpPr>
+            <a:spLocks noGrp="1" noRot="1" noChangeAspect="1"/>
+          </p:cNvSpPr>
+          <p:nvPr>
+            <p:ph type="sldImg" idx="2"/>
+          </p:nvPr>
+        </p:nvSpPr>
+        <p:spPr>
+          <a:xfrm>
+            <a:off x="685800" y="1143000"/>
+            <a:ext cx="5486400" cy="3086100"/>
+          </a:xfrm>
+          <a:prstGeom prst="rect">
+            <a:avLst/>
+          </a:prstGeom>
+          <a:noFill/>
+          <a:ln w="12700">
+            <a:solidFill>
+              <a:prstClr val="black"/>
+            </a:solidFill>
+          </a:ln>
+        </p:spPr>
+        <p:txBody>
+          <a:bodyPr vert="horz" lIns="91440" tIns="45720" rIns="91440" bIns="45720" rtlCol="0" anchor="ctr"/>
+          <a:lstStyle/>
+          <a:p>
+            <a:endParaRPr lang="en-GB"/>
+          </a:p>
+        </p:txBody>
+      </p:sp>
+      <p:sp>
+        <p:nvSpPr>
+          <p:cNvPr id="5" name="Notes Placeholder 4"/>
+          <p:cNvSpPr>
+            <a:spLocks noGrp="1"/>
+          </p:cNvSpPr>
+          <p:nvPr>
+            <p:ph type="body" sz="quarter" idx="3"/>
+          </p:nvPr>
+        </p:nvSpPr>
+        <p:spPr>
+          <a:xfrm>
+            <a:off x="685800" y="4400550"/>
+            <a:ext cx="5486400" cy="3600450"/>
+          </a:xfrm>
+          <a:prstGeom prst="rect">
+            <a:avLst/>
+          </a:prstGeom>
+        </p:spPr>
+        <p:txBody>
+          <a:bodyPr vert="horz" lIns="91440" tIns="45720" rIns="91440" bIns="45720" rtlCol="0"/>
+          <a:lstStyle/>
+          <a:p>
+            <a:pPr lvl="0"/>
+            <a:r>
+              <a:rPr lang="en-US" smtClean="0"/>
+              <a:t>Edit Master text styles</a:t>
+            </a:r>
+          </a:p>
+          <a:p>
+            <a:pPr lvl="1"/>
+            <a:r>
+              <a:rPr lang="en-US" smtClean="0"/>
+              <a:t>Second level</a:t>
+            </a:r>
+          </a:p>
+          <a:p>
+            <a:pPr lvl="2"/>
+            <a:r>
+              <a:rPr lang="en-US" smtClean="0"/>
+              <a:t>Third level</a:t>
+            </a:r>
+          </a:p>
+          <a:p>
+            <a:pPr lvl="3"/>
+            <a:r>
+              <a:rPr lang="en-US" smtClean="0"/>
+              <a:t>Fourth level</a:t>
+            </a:r>
+          </a:p>
+          <a:p>
+            <a:pPr lvl="4"/>
+            <a:r>
+              <a:rPr lang="en-US" smtClean="0"/>
+              <a:t>Fifth level</a:t>
+            </a:r>
+            <a:endParaRPr lang="en-GB"/>
+          </a:p>
+        </p:txBody>
+      </p:sp>
+      <p:sp>
+        <p:nvSpPr>
+          <p:cNvPr id="6" name="Footer Placeholder 5"/>
+          <p:cNvSpPr>
+            <a:spLocks noGrp="1"/>
+          </p:cNvSpPr>
+          <p:nvPr>
+            <p:ph type="ftr" sz="quarter" idx="4"/>
+          </p:nvPr>
+        </p:nvSpPr>
+        <p:spPr>
+          <a:xfrm>
+            <a:off x="0" y="8685213"/>
+            <a:ext cx="2971800" cy="458787"/>
+          </a:xfrm>
+          <a:prstGeom prst="rect">
+            <a:avLst/>
+          </a:prstGeom>
+        </p:spPr>
+        <p:txBody>
+          <a:bodyPr vert="horz" lIns="91440" tIns="45720" rIns="91440" bIns="45720" rtlCol="0" anchor="b"/>
+          <a:lstStyle>
+            <a:lvl1pPr algn="l">
+              <a:defRPr sz="1200"/>
+            </a:lvl1pPr>
+          </a:lstStyle>
+          <a:p>
+            <a:endParaRPr lang="en-GB"/>
+          </a:p>
+        </p:txBody>
+      </p:sp>
+      <p:sp>
+        <p:nvSpPr>
+          <p:cNvPr id="7" name="Slide Number Placeholder 6"/>
+          <p:cNvSpPr>
+            <a:spLocks noGrp="1"/>
+          </p:cNvSpPr>
+          <p:nvPr>
+            <p:ph type="sldNum" sz="quarter" idx="5"/>
+          </p:nvPr>
+        </p:nvSpPr>
+        <p:spPr>
+          <a:xfrm>
+            <a:off x="3884613" y="8685213"/>
+            <a:ext cx="2971800" cy="458787"/>
+          </a:xfrm>
+          <a:prstGeom prst="rect">
+            <a:avLst/>
+          </a:prstGeom>
+        </p:spPr>
+        <p:txBody>
+          <a:bodyPr vert="horz" lIns="91440" tIns="45720" rIns="91440" bIns="45720" rtlCol="0" anchor="b"/>
+          <a:lstStyle>
+            <a:lvl1pPr algn="r">
+              <a:defRPr sz="1200"/>
+            </a:lvl1pPr>
+          </a:lstStyle>
+          <a:p>
+            <a:fld id="{773C8238-5D0E-4F7F-B096-17C66A291425}" type="slidenum">
+              <a:rPr lang="en-GB" smtClean="0"/>
+              <a:t>‹#›</a:t>
+            </a:fld>
+            <a:endParaRPr lang="en-GB"/>
+          </a:p>
+        </p:txBody>
+      </p:sp>
+    </p:spTree>
+    <p:extLst>
+      <p:ext uri="{BB962C8B-B14F-4D97-AF65-F5344CB8AC3E}">
+        <p14:creationId xmlns:p14="http://schemas.microsoft.com/office/powerpoint/2010/main" val="1775484428"/>
+      </p:ext>
+    </p:extLst>
+  </p:cSld>
+  <p:clrMap bg1="lt1" tx1="dk1" bg2="lt2" tx2="dk2" accent1="accent1" accent2="accent2" accent3="accent3" accent4="accent4" accent5="accent5" accent6="accent6" hlink="hlink" folHlink="folHlink"/>
+  <p:notesStyle>
+    <a:lvl1pPr marL="0" algn="l" defTabSz="914400" rtl="0" eaLnBrk="1" latinLnBrk="0" hangingPunct="1">
+      <a:defRPr sz="1200" kern="1200">
+        <a:solidFill>
+          <a:schemeClr val="tx1"/>
+        </a:solidFill>
+        <a:latin typeface="+mn-lt"/>
+        <a:ea typeface="+mn-ea"/>
+        <a:cs typeface="+mn-cs"/>
+      </a:defRPr>
+    </a:lvl1pPr>
+    <a:lvl2pPr marL="457200" algn="l" defTabSz="914400" rtl="0" eaLnBrk="1" latinLnBrk="0" hangingPunct="1">
+      <a:defRPr sz="1200" kern="1200">
+        <a:solidFill>
+          <a:schemeClr val="tx1"/>
+        </a:solidFill>
+        <a:latin typeface="+mn-lt"/>
+        <a:ea typeface="+mn-ea"/>
+        <a:cs typeface="+mn-cs"/>
+      </a:defRPr>
+    </a:lvl2pPr>
+    <a:lvl3pPr marL="914400" algn="l" defTabSz="914400" rtl="0" eaLnBrk="1" latinLnBrk="0" hangingPunct="1">
+      <a:defRPr sz="1200" kern="1200">
+        <a:solidFill>
+          <a:schemeClr val="tx1"/>
+        </a:solidFill>
+        <a:latin typeface="+mn-lt"/>
+        <a:ea typeface="+mn-ea"/>
+        <a:cs typeface="+mn-cs"/>
+      </a:defRPr>
+    </a:lvl3pPr>
+    <a:lvl4pPr marL="1371600" algn="l" defTabSz="914400" rtl="0" eaLnBrk="1" latinLnBrk="0" hangingPunct="1">
+      <a:defRPr sz="1200" kern="1200">
+        <a:solidFill>
+          <a:schemeClr val="tx1"/>
+        </a:solidFill>
+        <a:latin typeface="+mn-lt"/>
+        <a:ea typeface="+mn-ea"/>
+        <a:cs typeface="+mn-cs"/>
+      </a:defRPr>
+    </a:lvl4pPr>
+    <a:lvl5pPr marL="1828800" algn="l" defTabSz="914400" rtl="0" eaLnBrk="1" latinLnBrk="0" hangingPunct="1">
+      <a:defRPr sz="1200" kern="1200">
+        <a:solidFill>
+          <a:schemeClr val="tx1"/>
+        </a:solidFill>
+        <a:latin typeface="+mn-lt"/>
+        <a:ea typeface="+mn-ea"/>
+        <a:cs typeface="+mn-cs"/>
+      </a:defRPr>
+    </a:lvl5pPr>
+    <a:lvl6pPr marL="2286000" algn="l" defTabSz="914400" rtl="0" eaLnBrk="1" latinLnBrk="0" hangingPunct="1">
+      <a:defRPr sz="1200" kern="1200">
+        <a:solidFill>
+          <a:schemeClr val="tx1"/>
+        </a:solidFill>
+        <a:latin typeface="+mn-lt"/>
+        <a:ea typeface="+mn-ea"/>
+        <a:cs typeface="+mn-cs"/>
+      </a:defRPr>
+    </a:lvl6pPr>
+    <a:lvl7pPr marL="2743200" algn="l" defTabSz="914400" rtl="0" eaLnBrk="1" latinLnBrk="0" hangingPunct="1">
+      <a:defRPr sz="1200" kern="1200">
+        <a:solidFill>
+          <a:schemeClr val="tx1"/>
+        </a:solidFill>
+        <a:latin typeface="+mn-lt"/>
+        <a:ea typeface="+mn-ea"/>
+        <a:cs typeface="+mn-cs"/>
+      </a:defRPr>
+    </a:lvl7pPr>
+    <a:lvl8pPr marL="3200400" algn="l" defTabSz="914400" rtl="0" eaLnBrk="1" latinLnBrk="0" hangingPunct="1">
+      <a:defRPr sz="1200" kern="1200">
+        <a:solidFill>
+          <a:schemeClr val="tx1"/>
+        </a:solidFill>
+        <a:latin typeface="+mn-lt"/>
+        <a:ea typeface="+mn-ea"/>
+        <a:cs typeface="+mn-cs"/>
+      </a:defRPr>
+    </a:lvl8pPr>
+    <a:lvl9pPr marL="3657600" algn="l" defTabSz="914400" rtl="0" eaLnBrk="1" latinLnBrk="0" hangingPunct="1">
+      <a:defRPr sz="1200" kern="1200">
+        <a:solidFill>
+          <a:schemeClr val="tx1"/>
+        </a:solidFill>
+        <a:latin typeface="+mn-lt"/>
+        <a:ea typeface="+mn-ea"/>
+        <a:cs typeface="+mn-cs"/>
+      </a:defRPr>
+    </a:lvl9pPr>
+  </p:notesStyle>
+</p:notesMaster>
+</file>
+
+<file path=ppt/notesSlides/notesSlide1.xml><?xml version="1.0" encoding="utf-8"?>
+<p:notes xmlns:a="http://schemas.openxmlformats.org/drawingml/2006/main" xmlns:r="http://schemas.openxmlformats.org/officeDocument/2006/relationships" xmlns:p="http://schemas.openxmlformats.org/presentationml/2006/main">
+  <p:cSld>
+    <p:spTree>
+      <p:nvGrpSpPr>
+        <p:cNvPr id="1" name=""/>
+        <p:cNvGrpSpPr/>
+        <p:nvPr/>
+      </p:nvGrpSpPr>
+      <p:grpSpPr>
+        <a:xfrm>
+          <a:off x="0" y="0"/>
+          <a:ext cx="0" cy="0"/>
+          <a:chOff x="0" y="0"/>
+          <a:chExt cx="0" cy="0"/>
+        </a:xfrm>
+      </p:grpSpPr>
+      <p:sp>
+        <p:nvSpPr>
+          <p:cNvPr id="2" name="Slide Image Placeholder 1"/>
+          <p:cNvSpPr>
+            <a:spLocks noGrp="1" noRot="1" noChangeAspect="1"/>
+          </p:cNvSpPr>
+          <p:nvPr>
+            <p:ph type="sldImg"/>
+          </p:nvPr>
+        </p:nvSpPr>
+        <p:spPr/>
+      </p:sp>
+      <p:sp>
+        <p:nvSpPr>
+          <p:cNvPr id="3" name="Notes Placeholder 2"/>
+          <p:cNvSpPr>
+            <a:spLocks noGrp="1"/>
+          </p:cNvSpPr>
+          <p:nvPr>
+            <p:ph type="body" idx="1"/>
+          </p:nvPr>
+        </p:nvSpPr>
+        <p:spPr/>
+        <p:txBody>
+          <a:bodyPr/>
+          <a:lstStyle/>
+          <a:p>
+            <a:r>
+              <a:rPr lang="en-GB" sz="1200" b="0" i="0" u="none" strike="noStrike" kern="1200" dirty="0" smtClean="0">
+                <a:solidFill>
+                  <a:schemeClr val="tx1"/>
+                </a:solidFill>
+                <a:effectLst/>
+                <a:latin typeface="+mn-lt"/>
+                <a:ea typeface="+mn-ea"/>
+                <a:cs typeface="+mn-cs"/>
+                <a:hlinkClick r:id="rId3" tooltip="Ancient Greece"/>
+              </a:rPr>
+              <a:t>Ancient Greek</a:t>
+            </a:r>
+            <a:r>
+              <a:rPr lang="en-GB" sz="1200" b="0" i="0" kern="1200" dirty="0" smtClean="0">
+                <a:solidFill>
+                  <a:schemeClr val="tx1"/>
+                </a:solidFill>
+                <a:effectLst/>
+                <a:latin typeface="+mn-lt"/>
+                <a:ea typeface="+mn-ea"/>
+                <a:cs typeface="+mn-cs"/>
+              </a:rPr>
+              <a:t> legend of </a:t>
+            </a:r>
+            <a:r>
+              <a:rPr lang="en-GB" sz="1200" b="0" i="0" u="none" strike="noStrike" kern="1200" dirty="0" smtClean="0">
+                <a:solidFill>
+                  <a:schemeClr val="tx1"/>
+                </a:solidFill>
+                <a:effectLst/>
+                <a:latin typeface="+mn-lt"/>
+                <a:ea typeface="+mn-ea"/>
+                <a:cs typeface="+mn-cs"/>
+                <a:hlinkClick r:id="rId4" tooltip="Phrygia"/>
+              </a:rPr>
+              <a:t>Phrygian</a:t>
+            </a:r>
+            <a:r>
+              <a:rPr lang="en-GB" sz="1200" b="0" i="0" kern="1200" dirty="0" smtClean="0">
+                <a:solidFill>
+                  <a:schemeClr val="tx1"/>
+                </a:solidFill>
+                <a:effectLst/>
+                <a:latin typeface="+mn-lt"/>
+                <a:ea typeface="+mn-ea"/>
+                <a:cs typeface="+mn-cs"/>
+              </a:rPr>
+              <a:t> </a:t>
+            </a:r>
+            <a:r>
+              <a:rPr lang="en-GB" sz="1200" b="0" i="0" u="none" strike="noStrike" kern="1200" dirty="0" err="1" smtClean="0">
+                <a:solidFill>
+                  <a:schemeClr val="tx1"/>
+                </a:solidFill>
+                <a:effectLst/>
+                <a:latin typeface="+mn-lt"/>
+                <a:ea typeface="+mn-ea"/>
+                <a:cs typeface="+mn-cs"/>
+                <a:hlinkClick r:id="rId5" tooltip="Gordium"/>
+              </a:rPr>
+              <a:t>Gordium</a:t>
+            </a:r>
+            <a:r>
+              <a:rPr lang="en-GB" sz="1200" b="0" i="0" kern="1200" dirty="0" smtClean="0">
+                <a:solidFill>
+                  <a:schemeClr val="tx1"/>
+                </a:solidFill>
+                <a:effectLst/>
+                <a:latin typeface="+mn-lt"/>
+                <a:ea typeface="+mn-ea"/>
+                <a:cs typeface="+mn-cs"/>
+              </a:rPr>
+              <a:t> associated with </a:t>
+            </a:r>
+            <a:r>
+              <a:rPr lang="en-GB" sz="1200" b="0" i="0" u="none" strike="noStrike" kern="1200" dirty="0" smtClean="0">
+                <a:solidFill>
+                  <a:schemeClr val="tx1"/>
+                </a:solidFill>
+                <a:effectLst/>
+                <a:latin typeface="+mn-lt"/>
+                <a:ea typeface="+mn-ea"/>
+                <a:cs typeface="+mn-cs"/>
+                <a:hlinkClick r:id="rId6" tooltip="Alexander the Great"/>
+              </a:rPr>
+              <a:t>Alexander the Great</a:t>
+            </a:r>
+            <a:r>
+              <a:rPr lang="en-GB" sz="1200" b="0" i="0" kern="1200" dirty="0" smtClean="0">
+                <a:solidFill>
+                  <a:schemeClr val="tx1"/>
+                </a:solidFill>
+                <a:effectLst/>
+                <a:latin typeface="+mn-lt"/>
+                <a:ea typeface="+mn-ea"/>
+                <a:cs typeface="+mn-cs"/>
+              </a:rPr>
+              <a:t>. It is often used as a </a:t>
+            </a:r>
+            <a:r>
+              <a:rPr lang="en-GB" sz="1200" b="0" i="0" u="none" strike="noStrike" kern="1200" dirty="0" smtClean="0">
+                <a:solidFill>
+                  <a:schemeClr val="tx1"/>
+                </a:solidFill>
+                <a:effectLst/>
+                <a:latin typeface="+mn-lt"/>
+                <a:ea typeface="+mn-ea"/>
+                <a:cs typeface="+mn-cs"/>
+                <a:hlinkClick r:id="rId7" tooltip="Metaphor"/>
+              </a:rPr>
+              <a:t>metaphor</a:t>
+            </a:r>
+            <a:r>
+              <a:rPr lang="en-GB" sz="1200" b="0" i="0" kern="1200" dirty="0" smtClean="0">
+                <a:solidFill>
+                  <a:schemeClr val="tx1"/>
+                </a:solidFill>
+                <a:effectLst/>
+                <a:latin typeface="+mn-lt"/>
+                <a:ea typeface="+mn-ea"/>
+                <a:cs typeface="+mn-cs"/>
+              </a:rPr>
+              <a:t> for an intractable problem (untying an impossibly tangled knot) solved easily by finding an approach to the problem that renders the perceived constraints of the problem moot ("cutting the Gordian knot"):</a:t>
+            </a:r>
+            <a:endParaRPr lang="en-GB" dirty="0"/>
+          </a:p>
+        </p:txBody>
+      </p:sp>
+      <p:sp>
+        <p:nvSpPr>
+          <p:cNvPr id="4" name="Slide Number Placeholder 3"/>
+          <p:cNvSpPr>
+            <a:spLocks noGrp="1"/>
+          </p:cNvSpPr>
+          <p:nvPr>
+            <p:ph type="sldNum" sz="quarter" idx="10"/>
+          </p:nvPr>
+        </p:nvSpPr>
+        <p:spPr/>
+        <p:txBody>
+          <a:bodyPr/>
+          <a:lstStyle/>
+          <a:p>
+            <a:fld id="{773C8238-5D0E-4F7F-B096-17C66A291425}" type="slidenum">
+              <a:rPr lang="en-GB" smtClean="0"/>
+              <a:t>4</a:t>
+            </a:fld>
+            <a:endParaRPr lang="en-GB"/>
+          </a:p>
+        </p:txBody>
+      </p:sp>
+    </p:spTree>
+    <p:extLst>
+      <p:ext uri="{BB962C8B-B14F-4D97-AF65-F5344CB8AC3E}">
+        <p14:creationId xmlns:p14="http://schemas.microsoft.com/office/powerpoint/2010/main" val="3738273291"/>
+      </p:ext>
+    </p:extLst>
+  </p:cSld>
+  <p:clrMapOvr>
+    <a:masterClrMapping/>
+  </p:clrMapOvr>
+</p:notes>
+</file>
+
 <file path=ppt/slideLayouts/slideLayout1.xml><?xml version="1.0" encoding="utf-8"?>
 <p:sldLayout xmlns:a="http://schemas.openxmlformats.org/drawingml/2006/main" xmlns:r="http://schemas.openxmlformats.org/officeDocument/2006/relationships" xmlns:p="http://schemas.openxmlformats.org/presentationml/2006/main" type="title" preserve="1">
   <p:cSld name="Title Slide">
@@ -264,7 +828,7 @@
           <a:p>
             <a:fld id="{1F3D7F03-4E26-481F-BF7A-0AFA9749C262}" type="datetimeFigureOut">
               <a:rPr lang="en-GB" smtClean="0"/>
-              <a:t>01/08/2022</a:t>
+              <a:t>02/08/2022</a:t>
             </a:fld>
             <a:endParaRPr lang="en-GB"/>
           </a:p>
@@ -464,7 +1028,7 @@
           <a:p>
             <a:fld id="{1F3D7F03-4E26-481F-BF7A-0AFA9749C262}" type="datetimeFigureOut">
               <a:rPr lang="en-GB" smtClean="0"/>
-              <a:t>01/08/2022</a:t>
+              <a:t>02/08/2022</a:t>
             </a:fld>
             <a:endParaRPr lang="en-GB"/>
           </a:p>
@@ -674,7 +1238,7 @@
           <a:p>
             <a:fld id="{1F3D7F03-4E26-481F-BF7A-0AFA9749C262}" type="datetimeFigureOut">
               <a:rPr lang="en-GB" smtClean="0"/>
-              <a:t>01/08/2022</a:t>
+              <a:t>02/08/2022</a:t>
             </a:fld>
             <a:endParaRPr lang="en-GB"/>
           </a:p>
@@ -874,7 +1438,7 @@
           <a:p>
             <a:fld id="{1F3D7F03-4E26-481F-BF7A-0AFA9749C262}" type="datetimeFigureOut">
               <a:rPr lang="en-GB" smtClean="0"/>
-              <a:t>01/08/2022</a:t>
+              <a:t>02/08/2022</a:t>
             </a:fld>
             <a:endParaRPr lang="en-GB"/>
           </a:p>
@@ -1150,7 +1714,7 @@
           <a:p>
             <a:fld id="{1F3D7F03-4E26-481F-BF7A-0AFA9749C262}" type="datetimeFigureOut">
               <a:rPr lang="en-GB" smtClean="0"/>
-              <a:t>01/08/2022</a:t>
+              <a:t>02/08/2022</a:t>
             </a:fld>
             <a:endParaRPr lang="en-GB"/>
           </a:p>
@@ -1418,7 +1982,7 @@
           <a:p>
             <a:fld id="{1F3D7F03-4E26-481F-BF7A-0AFA9749C262}" type="datetimeFigureOut">
               <a:rPr lang="en-GB" smtClean="0"/>
-              <a:t>01/08/2022</a:t>
+              <a:t>02/08/2022</a:t>
             </a:fld>
             <a:endParaRPr lang="en-GB"/>
           </a:p>
@@ -1833,7 +2397,7 @@
           <a:p>
             <a:fld id="{1F3D7F03-4E26-481F-BF7A-0AFA9749C262}" type="datetimeFigureOut">
               <a:rPr lang="en-GB" smtClean="0"/>
-              <a:t>01/08/2022</a:t>
+              <a:t>02/08/2022</a:t>
             </a:fld>
             <a:endParaRPr lang="en-GB"/>
           </a:p>
@@ -1975,7 +2539,7 @@
           <a:p>
             <a:fld id="{1F3D7F03-4E26-481F-BF7A-0AFA9749C262}" type="datetimeFigureOut">
               <a:rPr lang="en-GB" smtClean="0"/>
-              <a:t>01/08/2022</a:t>
+              <a:t>02/08/2022</a:t>
             </a:fld>
             <a:endParaRPr lang="en-GB"/>
           </a:p>
@@ -2088,7 +2652,7 @@
           <a:p>
             <a:fld id="{1F3D7F03-4E26-481F-BF7A-0AFA9749C262}" type="datetimeFigureOut">
               <a:rPr lang="en-GB" smtClean="0"/>
-              <a:t>01/08/2022</a:t>
+              <a:t>02/08/2022</a:t>
             </a:fld>
             <a:endParaRPr lang="en-GB"/>
           </a:p>
@@ -2401,7 +2965,7 @@
           <a:p>
             <a:fld id="{1F3D7F03-4E26-481F-BF7A-0AFA9749C262}" type="datetimeFigureOut">
               <a:rPr lang="en-GB" smtClean="0"/>
-              <a:t>01/08/2022</a:t>
+              <a:t>02/08/2022</a:t>
             </a:fld>
             <a:endParaRPr lang="en-GB"/>
           </a:p>
@@ -2690,7 +3254,7 @@
           <a:p>
             <a:fld id="{1F3D7F03-4E26-481F-BF7A-0AFA9749C262}" type="datetimeFigureOut">
               <a:rPr lang="en-GB" smtClean="0"/>
-              <a:t>01/08/2022</a:t>
+              <a:t>02/08/2022</a:t>
             </a:fld>
             <a:endParaRPr lang="en-GB"/>
           </a:p>
@@ -2933,7 +3497,7 @@
           <a:p>
             <a:fld id="{1F3D7F03-4E26-481F-BF7A-0AFA9749C262}" type="datetimeFigureOut">
               <a:rPr lang="en-GB" smtClean="0"/>
-              <a:t>01/08/2022</a:t>
+              <a:t>02/08/2022</a:t>
             </a:fld>
             <a:endParaRPr lang="en-GB"/>
           </a:p>
@@ -3368,13 +3932,20 @@
         </p:nvSpPr>
         <p:spPr/>
         <p:txBody>
-          <a:bodyPr/>
-          <a:lstStyle/>
-          <a:p>
-            <a:r>
-              <a:rPr lang="en-GB"/>
-              <a:t>Introduction </a:t>
-            </a:r>
+          <a:bodyPr>
+            <a:normAutofit fontScale="90000"/>
+          </a:bodyPr>
+          <a:lstStyle/>
+          <a:p>
+            <a:r>
+              <a:rPr lang="en-GB" b="1" dirty="0"/>
+              <a:t>Project workflow skills for health economics modelling in </a:t>
+            </a:r>
+            <a:r>
+              <a:rPr lang="en-GB" b="1" dirty="0" smtClean="0"/>
+              <a:t>R</a:t>
+            </a:r>
+            <a:endParaRPr lang="en-GB" dirty="0"/>
           </a:p>
         </p:txBody>
       </p:sp>
@@ -3399,7 +3970,17 @@
           <a:bodyPr/>
           <a:lstStyle/>
           <a:p>
-            <a:endParaRPr lang="en-GB"/>
+            <a:r>
+              <a:rPr lang="en-GB" dirty="0" smtClean="0"/>
+              <a:t>Nathan Green</a:t>
+            </a:r>
+          </a:p>
+          <a:p>
+            <a:r>
+              <a:rPr lang="en-GB" dirty="0" smtClean="0"/>
+              <a:t>UCL</a:t>
+            </a:r>
+            <a:endParaRPr lang="en-GB" dirty="0"/>
           </a:p>
         </p:txBody>
       </p:sp>
@@ -3417,6 +3998,65 @@
 </file>
 
 <file path=ppt/slides/slide2.xml><?xml version="1.0" encoding="utf-8"?>
+<p:sld xmlns:a="http://schemas.openxmlformats.org/drawingml/2006/main" xmlns:r="http://schemas.openxmlformats.org/officeDocument/2006/relationships" xmlns:p="http://schemas.openxmlformats.org/presentationml/2006/main">
+  <p:cSld>
+    <p:spTree>
+      <p:nvGrpSpPr>
+        <p:cNvPr id="1" name=""/>
+        <p:cNvGrpSpPr/>
+        <p:nvPr/>
+      </p:nvGrpSpPr>
+      <p:grpSpPr>
+        <a:xfrm>
+          <a:off x="0" y="0"/>
+          <a:ext cx="0" cy="0"/>
+          <a:chOff x="0" y="0"/>
+          <a:chExt cx="0" cy="0"/>
+        </a:xfrm>
+      </p:grpSpPr>
+      <p:pic>
+        <p:nvPicPr>
+          <p:cNvPr id="4" name="Content Placeholder 3"/>
+          <p:cNvPicPr>
+            <a:picLocks noGrp="1" noChangeAspect="1"/>
+          </p:cNvPicPr>
+          <p:nvPr>
+            <p:ph idx="1"/>
+          </p:nvPr>
+        </p:nvPicPr>
+        <p:blipFill>
+          <a:blip r:embed="rId2">
+            <a:extLst>
+              <a:ext uri="{28A0092B-C50C-407E-A947-70E740481C1C}">
+                <a14:useLocalDpi xmlns:a14="http://schemas.microsoft.com/office/drawing/2010/main" val="0"/>
+              </a:ext>
+            </a:extLst>
+          </a:blip>
+          <a:stretch>
+            <a:fillRect/>
+          </a:stretch>
+        </p:blipFill>
+        <p:spPr>
+          <a:xfrm>
+            <a:off x="1852381" y="653143"/>
+            <a:ext cx="8255562" cy="5316583"/>
+          </a:xfrm>
+        </p:spPr>
+      </p:pic>
+    </p:spTree>
+    <p:extLst>
+      <p:ext uri="{BB962C8B-B14F-4D97-AF65-F5344CB8AC3E}">
+        <p14:creationId xmlns:p14="http://schemas.microsoft.com/office/powerpoint/2010/main" val="414029392"/>
+      </p:ext>
+    </p:extLst>
+  </p:cSld>
+  <p:clrMapOvr>
+    <a:masterClrMapping/>
+  </p:clrMapOvr>
+</p:sld>
+</file>
+
+<file path=ppt/slides/slide3.xml><?xml version="1.0" encoding="utf-8"?>
 <p:sld xmlns:a="http://schemas.openxmlformats.org/drawingml/2006/main" xmlns:r="http://schemas.openxmlformats.org/officeDocument/2006/relationships" xmlns:p="http://schemas.openxmlformats.org/presentationml/2006/main">
   <p:cSld>
     <p:spTree>
@@ -3493,7 +4133,7 @@
 </p:sld>
 </file>
 
-<file path=ppt/slides/slide3.xml><?xml version="1.0" encoding="utf-8"?>
+<file path=ppt/slides/slide4.xml><?xml version="1.0" encoding="utf-8"?>
 <p:sld xmlns:a="http://schemas.openxmlformats.org/drawingml/2006/main" xmlns:r="http://schemas.openxmlformats.org/officeDocument/2006/relationships" xmlns:p="http://schemas.openxmlformats.org/presentationml/2006/main">
   <p:cSld>
     <p:spTree>
@@ -3510,6 +4150,103 @@
           <a:chExt cx="0" cy="0"/>
         </a:xfrm>
       </p:grpSpPr>
+      <p:pic>
+        <p:nvPicPr>
+          <p:cNvPr id="5" name="Picture 2" descr="Gordian Knot - Wikipedia"/>
+          <p:cNvPicPr>
+            <a:picLocks noGrp="1" noChangeAspect="1" noChangeArrowheads="1"/>
+          </p:cNvPicPr>
+          <p:nvPr>
+            <p:ph idx="1"/>
+          </p:nvPr>
+        </p:nvPicPr>
+        <p:blipFill>
+          <a:blip r:embed="rId3">
+            <a:extLst>
+              <a:ext uri="{28A0092B-C50C-407E-A947-70E740481C1C}">
+                <a14:useLocalDpi xmlns:a14="http://schemas.microsoft.com/office/drawing/2010/main" val="0"/>
+              </a:ext>
+            </a:extLst>
+          </a:blip>
+          <a:srcRect/>
+          <a:stretch>
+            <a:fillRect/>
+          </a:stretch>
+        </p:blipFill>
+        <p:spPr bwMode="auto">
+          <a:xfrm>
+            <a:off x="2037806" y="365125"/>
+            <a:ext cx="7651207" cy="5981242"/>
+          </a:xfrm>
+          <a:prstGeom prst="rect">
+            <a:avLst/>
+          </a:prstGeom>
+          <a:noFill/>
+          <a:extLst>
+            <a:ext uri="{909E8E84-426E-40DD-AFC4-6F175D3DCCD1}">
+              <a14:hiddenFill xmlns:a14="http://schemas.microsoft.com/office/drawing/2010/main">
+                <a:solidFill>
+                  <a:srgbClr val="FFFFFF"/>
+                </a:solidFill>
+              </a14:hiddenFill>
+            </a:ext>
+          </a:extLst>
+        </p:spPr>
+      </p:pic>
+      <p:pic>
+        <p:nvPicPr>
+          <p:cNvPr id="6" name="Picture 5"/>
+          <p:cNvPicPr>
+            <a:picLocks noChangeAspect="1"/>
+          </p:cNvPicPr>
+          <p:nvPr/>
+        </p:nvPicPr>
+        <p:blipFill>
+          <a:blip r:embed="rId4"/>
+          <a:stretch>
+            <a:fillRect/>
+          </a:stretch>
+        </p:blipFill>
+        <p:spPr>
+          <a:xfrm>
+            <a:off x="4279371" y="1690688"/>
+            <a:ext cx="510645" cy="510645"/>
+          </a:xfrm>
+          <a:prstGeom prst="rect">
+            <a:avLst/>
+          </a:prstGeom>
+        </p:spPr>
+      </p:pic>
+    </p:spTree>
+    <p:extLst>
+      <p:ext uri="{BB962C8B-B14F-4D97-AF65-F5344CB8AC3E}">
+        <p14:creationId xmlns:p14="http://schemas.microsoft.com/office/powerpoint/2010/main" val="2784985571"/>
+      </p:ext>
+    </p:extLst>
+  </p:cSld>
+  <p:clrMapOvr>
+    <a:masterClrMapping/>
+  </p:clrMapOvr>
+</p:sld>
+</file>
+
+<file path=ppt/slides/slide5.xml><?xml version="1.0" encoding="utf-8"?>
+<p:sld xmlns:a="http://schemas.openxmlformats.org/drawingml/2006/main" xmlns:r="http://schemas.openxmlformats.org/officeDocument/2006/relationships" xmlns:p="http://schemas.openxmlformats.org/presentationml/2006/main">
+  <p:cSld>
+    <p:spTree>
+      <p:nvGrpSpPr>
+        <p:cNvPr id="1" name=""/>
+        <p:cNvGrpSpPr/>
+        <p:nvPr/>
+      </p:nvGrpSpPr>
+      <p:grpSpPr>
+        <a:xfrm>
+          <a:off x="0" y="0"/>
+          <a:ext cx="0" cy="0"/>
+          <a:chOff x="0" y="0"/>
+          <a:chExt cx="0" cy="0"/>
+        </a:xfrm>
+      </p:grpSpPr>
       <p:sp>
         <p:nvSpPr>
           <p:cNvPr id="2" name="Title 1">
@@ -3556,10 +4293,146 @@
         </p:nvSpPr>
         <p:spPr/>
         <p:txBody>
-          <a:bodyPr/>
-          <a:lstStyle/>
-          <a:p>
-            <a:endParaRPr lang="en-GB"/>
+          <a:bodyPr>
+            <a:normAutofit fontScale="77500" lnSpcReduction="20000"/>
+          </a:bodyPr>
+          <a:lstStyle/>
+          <a:p>
+            <a:r>
+              <a:rPr lang="en-GB" dirty="0"/>
+              <a:t>Introducing the Markov cost-effectiveness model </a:t>
+            </a:r>
+            <a:r>
+              <a:rPr lang="en-GB" dirty="0" smtClean="0"/>
+              <a:t>9:30-9:45</a:t>
+            </a:r>
+            <a:endParaRPr lang="en-GB" dirty="0"/>
+          </a:p>
+          <a:p>
+            <a:r>
+              <a:rPr lang="en-GB" dirty="0"/>
+              <a:t>Writing clean code </a:t>
+            </a:r>
+            <a:r>
+              <a:rPr lang="en-GB" dirty="0" smtClean="0"/>
+              <a:t>9:45-10:15</a:t>
+            </a:r>
+            <a:endParaRPr lang="en-GB" dirty="0"/>
+          </a:p>
+          <a:p>
+            <a:r>
+              <a:rPr lang="en-GB" dirty="0"/>
+              <a:t>Package workflows </a:t>
+            </a:r>
+            <a:r>
+              <a:rPr lang="en-GB" dirty="0" smtClean="0"/>
+              <a:t>10:15-10:45</a:t>
+            </a:r>
+            <a:endParaRPr lang="en-GB" dirty="0"/>
+          </a:p>
+          <a:p>
+            <a:r>
+              <a:rPr lang="en-GB" dirty="0"/>
+              <a:t>Functions </a:t>
+            </a:r>
+            <a:r>
+              <a:rPr lang="en-GB" dirty="0" smtClean="0"/>
+              <a:t>10:45-11:15</a:t>
+            </a:r>
+            <a:endParaRPr lang="en-GB" dirty="0"/>
+          </a:p>
+          <a:p>
+            <a:pPr marL="0" indent="0">
+              <a:buNone/>
+            </a:pPr>
+            <a:r>
+              <a:rPr lang="en-GB" dirty="0"/>
+              <a:t>BREAK </a:t>
+            </a:r>
+            <a:r>
+              <a:rPr lang="en-GB" dirty="0" smtClean="0"/>
+              <a:t>11:15-11:30</a:t>
+            </a:r>
+            <a:endParaRPr lang="en-GB" dirty="0"/>
+          </a:p>
+          <a:p>
+            <a:r>
+              <a:rPr lang="en-GB" dirty="0" err="1"/>
+              <a:t>tidyverse</a:t>
+            </a:r>
+            <a:r>
+              <a:rPr lang="en-GB" dirty="0"/>
+              <a:t> 11:30-12:00</a:t>
+            </a:r>
+          </a:p>
+          <a:p>
+            <a:pPr marL="0" indent="0">
+              <a:buNone/>
+            </a:pPr>
+            <a:r>
+              <a:rPr lang="en-GB" dirty="0" smtClean="0"/>
+              <a:t>LUNCH</a:t>
+            </a:r>
+            <a:endParaRPr lang="en-GB" dirty="0"/>
+          </a:p>
+          <a:p>
+            <a:r>
+              <a:rPr lang="en-GB" dirty="0"/>
+              <a:t>Basic debugging 1:00-1:45</a:t>
+            </a:r>
+          </a:p>
+          <a:p>
+            <a:r>
+              <a:rPr lang="en-GB" dirty="0" smtClean="0"/>
+              <a:t>Unit </a:t>
+            </a:r>
+            <a:r>
+              <a:rPr lang="en-GB" dirty="0"/>
+              <a:t>testing with </a:t>
+            </a:r>
+            <a:r>
+              <a:rPr lang="en-GB" dirty="0" err="1"/>
+              <a:t>testthat</a:t>
+            </a:r>
+            <a:r>
+              <a:rPr lang="en-GB" dirty="0"/>
+              <a:t> 1:45-2:30</a:t>
+            </a:r>
+          </a:p>
+          <a:p>
+            <a:pPr marL="0" indent="0">
+              <a:buNone/>
+            </a:pPr>
+            <a:r>
+              <a:rPr lang="en-GB" dirty="0" smtClean="0"/>
+              <a:t>BREAK 2:30-2:45</a:t>
+            </a:r>
+            <a:endParaRPr lang="en-GB" dirty="0"/>
+          </a:p>
+          <a:p>
+            <a:r>
+              <a:rPr lang="en-GB" dirty="0"/>
+              <a:t>Documenting code/literate programming with </a:t>
+            </a:r>
+            <a:r>
+              <a:rPr lang="en-GB" dirty="0" err="1"/>
+              <a:t>RMarkdown</a:t>
+            </a:r>
+            <a:r>
+              <a:rPr lang="en-GB" dirty="0"/>
+              <a:t> 2:45-3:45</a:t>
+            </a:r>
+          </a:p>
+          <a:p>
+            <a:r>
+              <a:rPr lang="en-GB" dirty="0" smtClean="0"/>
+              <a:t>Recap </a:t>
+            </a:r>
+            <a:r>
+              <a:rPr lang="en-GB" dirty="0"/>
+              <a:t>and Q&amp;A Session 3:45-4:30</a:t>
+            </a:r>
+            <a:endParaRPr lang="en-GB" dirty="0"/>
           </a:p>
         </p:txBody>
       </p:sp>
@@ -3576,7 +4449,7 @@
 </p:sld>
 </file>
 
-<file path=ppt/slides/slide4.xml><?xml version="1.0" encoding="utf-8"?>
+<file path=ppt/slides/slide6.xml><?xml version="1.0" encoding="utf-8"?>
 <p:sld xmlns:a="http://schemas.openxmlformats.org/drawingml/2006/main" xmlns:r="http://schemas.openxmlformats.org/officeDocument/2006/relationships" xmlns:p="http://schemas.openxmlformats.org/presentationml/2006/main">
   <p:cSld>
     <p:spTree>
@@ -4009,4 +4882,265 @@
     </a:ext>
   </a:extLst>
 </a:theme>
+</file>
+
+<file path=ppt/theme/theme2.xml><?xml version="1.0" encoding="utf-8"?>
+<a:theme xmlns:a="http://schemas.openxmlformats.org/drawingml/2006/main" name="Office Theme">
+  <a:themeElements>
+    <a:clrScheme name="Office">
+      <a:dk1>
+        <a:sysClr val="windowText" lastClr="000000"/>
+      </a:dk1>
+      <a:lt1>
+        <a:sysClr val="window" lastClr="FFFFFF"/>
+      </a:lt1>
+      <a:dk2>
+        <a:srgbClr val="44546A"/>
+      </a:dk2>
+      <a:lt2>
+        <a:srgbClr val="E7E6E6"/>
+      </a:lt2>
+      <a:accent1>
+        <a:srgbClr val="5B9BD5"/>
+      </a:accent1>
+      <a:accent2>
+        <a:srgbClr val="ED7D31"/>
+      </a:accent2>
+      <a:accent3>
+        <a:srgbClr val="A5A5A5"/>
+      </a:accent3>
+      <a:accent4>
+        <a:srgbClr val="FFC000"/>
+      </a:accent4>
+      <a:accent5>
+        <a:srgbClr val="4472C4"/>
+      </a:accent5>
+      <a:accent6>
+        <a:srgbClr val="70AD47"/>
+      </a:accent6>
+      <a:hlink>
+        <a:srgbClr val="0563C1"/>
+      </a:hlink>
+      <a:folHlink>
+        <a:srgbClr val="954F72"/>
+      </a:folHlink>
+    </a:clrScheme>
+    <a:fontScheme name="Office">
+      <a:majorFont>
+        <a:latin typeface="Calibri Light" panose="020F0302020204030204"/>
+        <a:ea typeface=""/>
+        <a:cs typeface=""/>
+        <a:font script="Jpan" typeface="游ゴシック Light"/>
+        <a:font script="Hang" typeface="맑은 고딕"/>
+        <a:font script="Hans" typeface="等线 Light"/>
+        <a:font script="Hant" typeface="新細明體"/>
+        <a:font script="Arab" typeface="Times New Roman"/>
+        <a:font script="Hebr" typeface="Times New Roman"/>
+        <a:font script="Thai" typeface="Angsana New"/>
+        <a:font script="Ethi" typeface="Nyala"/>
+        <a:font script="Beng" typeface="Vrinda"/>
+        <a:font script="Gujr" typeface="Shruti"/>
+        <a:font script="Khmr" typeface="MoolBoran"/>
+        <a:font script="Knda" typeface="Tunga"/>
+        <a:font script="Guru" typeface="Raavi"/>
+        <a:font script="Cans" typeface="Euphemia"/>
+        <a:font script="Cher" typeface="Plantagenet Cherokee"/>
+        <a:font script="Yiii" typeface="Microsoft Yi Baiti"/>
+        <a:font script="Tibt" typeface="Microsoft Himalaya"/>
+        <a:font script="Thaa" typeface="MV Boli"/>
+        <a:font script="Deva" typeface="Mangal"/>
+        <a:font script="Telu" typeface="Gautami"/>
+        <a:font script="Taml" typeface="Latha"/>
+        <a:font script="Syrc" typeface="Estrangelo Edessa"/>
+        <a:font script="Orya" typeface="Kalinga"/>
+        <a:font script="Mlym" typeface="Kartika"/>
+        <a:font script="Laoo" typeface="DokChampa"/>
+        <a:font script="Sinh" typeface="Iskoola Pota"/>
+        <a:font script="Mong" typeface="Mongolian Baiti"/>
+        <a:font script="Viet" typeface="Times New Roman"/>
+        <a:font script="Uigh" typeface="Microsoft Uighur"/>
+        <a:font script="Geor" typeface="Sylfaen"/>
+      </a:majorFont>
+      <a:minorFont>
+        <a:latin typeface="Calibri" panose="020F0502020204030204"/>
+        <a:ea typeface=""/>
+        <a:cs typeface=""/>
+        <a:font script="Jpan" typeface="游ゴシック"/>
+        <a:font script="Hang" typeface="맑은 고딕"/>
+        <a:font script="Hans" typeface="等线"/>
+        <a:font script="Hant" typeface="新細明體"/>
+        <a:font script="Arab" typeface="Arial"/>
+        <a:font script="Hebr" typeface="Arial"/>
+        <a:font script="Thai" typeface="Cordia New"/>
+        <a:font script="Ethi" typeface="Nyala"/>
+        <a:font script="Beng" typeface="Vrinda"/>
+        <a:font script="Gujr" typeface="Shruti"/>
+        <a:font script="Khmr" typeface="DaunPenh"/>
+        <a:font script="Knda" typeface="Tunga"/>
+        <a:font script="Guru" typeface="Raavi"/>
+        <a:font script="Cans" typeface="Euphemia"/>
+        <a:font script="Cher" typeface="Plantagenet Cherokee"/>
+        <a:font script="Yiii" typeface="Microsoft Yi Baiti"/>
+        <a:font script="Tibt" typeface="Microsoft Himalaya"/>
+        <a:font script="Thaa" typeface="MV Boli"/>
+        <a:font script="Deva" typeface="Mangal"/>
+        <a:font script="Telu" typeface="Gautami"/>
+        <a:font script="Taml" typeface="Latha"/>
+        <a:font script="Syrc" typeface="Estrangelo Edessa"/>
+        <a:font script="Orya" typeface="Kalinga"/>
+        <a:font script="Mlym" typeface="Kartika"/>
+        <a:font script="Laoo" typeface="DokChampa"/>
+        <a:font script="Sinh" typeface="Iskoola Pota"/>
+        <a:font script="Mong" typeface="Mongolian Baiti"/>
+        <a:font script="Viet" typeface="Arial"/>
+        <a:font script="Uigh" typeface="Microsoft Uighur"/>
+        <a:font script="Geor" typeface="Sylfaen"/>
+      </a:minorFont>
+    </a:fontScheme>
+    <a:fmtScheme name="Office">
+      <a:fillStyleLst>
+        <a:solidFill>
+          <a:schemeClr val="phClr"/>
+        </a:solidFill>
+        <a:gradFill rotWithShape="1">
+          <a:gsLst>
+            <a:gs pos="0">
+              <a:schemeClr val="phClr">
+                <a:lumMod val="110000"/>
+                <a:satMod val="105000"/>
+                <a:tint val="67000"/>
+              </a:schemeClr>
+            </a:gs>
+            <a:gs pos="50000">
+              <a:schemeClr val="phClr">
+                <a:lumMod val="105000"/>
+                <a:satMod val="103000"/>
+                <a:tint val="73000"/>
+              </a:schemeClr>
+            </a:gs>
+            <a:gs pos="100000">
+              <a:schemeClr val="phClr">
+                <a:lumMod val="105000"/>
+                <a:satMod val="109000"/>
+                <a:tint val="81000"/>
+              </a:schemeClr>
+            </a:gs>
+          </a:gsLst>
+          <a:lin ang="5400000" scaled="0"/>
+        </a:gradFill>
+        <a:gradFill rotWithShape="1">
+          <a:gsLst>
+            <a:gs pos="0">
+              <a:schemeClr val="phClr">
+                <a:satMod val="103000"/>
+                <a:lumMod val="102000"/>
+                <a:tint val="94000"/>
+              </a:schemeClr>
+            </a:gs>
+            <a:gs pos="50000">
+              <a:schemeClr val="phClr">
+                <a:satMod val="110000"/>
+                <a:lumMod val="100000"/>
+                <a:shade val="100000"/>
+              </a:schemeClr>
+            </a:gs>
+            <a:gs pos="100000">
+              <a:schemeClr val="phClr">
+                <a:lumMod val="99000"/>
+                <a:satMod val="120000"/>
+                <a:shade val="78000"/>
+              </a:schemeClr>
+            </a:gs>
+          </a:gsLst>
+          <a:lin ang="5400000" scaled="0"/>
+        </a:gradFill>
+      </a:fillStyleLst>
+      <a:lnStyleLst>
+        <a:ln w="6350" cap="flat" cmpd="sng" algn="ctr">
+          <a:solidFill>
+            <a:schemeClr val="phClr"/>
+          </a:solidFill>
+          <a:prstDash val="solid"/>
+          <a:miter lim="800000"/>
+        </a:ln>
+        <a:ln w="12700" cap="flat" cmpd="sng" algn="ctr">
+          <a:solidFill>
+            <a:schemeClr val="phClr"/>
+          </a:solidFill>
+          <a:prstDash val="solid"/>
+          <a:miter lim="800000"/>
+        </a:ln>
+        <a:ln w="19050" cap="flat" cmpd="sng" algn="ctr">
+          <a:solidFill>
+            <a:schemeClr val="phClr"/>
+          </a:solidFill>
+          <a:prstDash val="solid"/>
+          <a:miter lim="800000"/>
+        </a:ln>
+      </a:lnStyleLst>
+      <a:effectStyleLst>
+        <a:effectStyle>
+          <a:effectLst/>
+        </a:effectStyle>
+        <a:effectStyle>
+          <a:effectLst/>
+        </a:effectStyle>
+        <a:effectStyle>
+          <a:effectLst>
+            <a:outerShdw blurRad="57150" dist="19050" dir="5400000" algn="ctr" rotWithShape="0">
+              <a:srgbClr val="000000">
+                <a:alpha val="63000"/>
+              </a:srgbClr>
+            </a:outerShdw>
+          </a:effectLst>
+        </a:effectStyle>
+      </a:effectStyleLst>
+      <a:bgFillStyleLst>
+        <a:solidFill>
+          <a:schemeClr val="phClr"/>
+        </a:solidFill>
+        <a:solidFill>
+          <a:schemeClr val="phClr">
+            <a:tint val="95000"/>
+            <a:satMod val="170000"/>
+          </a:schemeClr>
+        </a:solidFill>
+        <a:gradFill rotWithShape="1">
+          <a:gsLst>
+            <a:gs pos="0">
+              <a:schemeClr val="phClr">
+                <a:tint val="93000"/>
+                <a:satMod val="150000"/>
+                <a:shade val="98000"/>
+                <a:lumMod val="102000"/>
+              </a:schemeClr>
+            </a:gs>
+            <a:gs pos="50000">
+              <a:schemeClr val="phClr">
+                <a:tint val="98000"/>
+                <a:satMod val="130000"/>
+                <a:shade val="90000"/>
+                <a:lumMod val="103000"/>
+              </a:schemeClr>
+            </a:gs>
+            <a:gs pos="100000">
+              <a:schemeClr val="phClr">
+                <a:shade val="63000"/>
+                <a:satMod val="120000"/>
+              </a:schemeClr>
+            </a:gs>
+          </a:gsLst>
+          <a:lin ang="5400000" scaled="0"/>
+        </a:gradFill>
+      </a:bgFillStyleLst>
+    </a:fmtScheme>
+  </a:themeElements>
+  <a:objectDefaults/>
+  <a:extraClrSchemeLst/>
+  <a:extLst>
+    <a:ext uri="{05A4C25C-085E-4340-85A3-A5531E510DB2}">
+      <thm15:themeFamily xmlns:thm15="http://schemas.microsoft.com/office/thememl/2012/main" name="Office Theme" id="{62F939B6-93AF-4DB8-9C6B-D6C7DFDC589F}" vid="{4A3C46E8-61CC-4603-A589-7422A47A8E4A}"/>
+    </a:ext>
+  </a:extLst>
+</a:theme>
 </file>